--- a/docs/Screenshots.pptx
+++ b/docs/Screenshots.pptx
@@ -8,6 +8,10 @@
     <p:sldId id="256" r:id="rId2"/>
     <p:sldId id="257" r:id="rId3"/>
     <p:sldId id="258" r:id="rId4"/>
+    <p:sldId id="259" r:id="rId5"/>
+    <p:sldId id="260" r:id="rId6"/>
+    <p:sldId id="261" r:id="rId7"/>
+    <p:sldId id="262" r:id="rId8"/>
   </p:sldIdLst>
   <p:sldSz cx="12192000" cy="6858000"/>
   <p:notesSz cx="6858000" cy="9144000"/>
@@ -5103,6 +5107,1056 @@
 </p:sld>
 </file>
 
+<file path=ppt/slides/slide4.xml><?xml version="1.0" encoding="utf-8"?>
+<p:sld xmlns:a="http://schemas.openxmlformats.org/drawingml/2006/main" xmlns:r="http://schemas.openxmlformats.org/officeDocument/2006/relationships" xmlns:p="http://schemas.openxmlformats.org/presentationml/2006/main">
+  <p:cSld>
+    <p:spTree>
+      <p:nvGrpSpPr>
+        <p:cNvPr id="1" name=""/>
+        <p:cNvGrpSpPr/>
+        <p:nvPr/>
+      </p:nvGrpSpPr>
+      <p:grpSpPr>
+        <a:xfrm>
+          <a:off x="0" y="0"/>
+          <a:ext cx="0" cy="0"/>
+          <a:chOff x="0" y="0"/>
+          <a:chExt cx="0" cy="0"/>
+        </a:xfrm>
+      </p:grpSpPr>
+      <p:pic>
+        <p:nvPicPr>
+          <p:cNvPr id="2" name="Picture 1">
+            <a:extLst>
+              <a:ext uri="{FF2B5EF4-FFF2-40B4-BE49-F238E27FC236}">
+                <a16:creationId xmlns:a16="http://schemas.microsoft.com/office/drawing/2014/main" id="{29CCDEB1-7373-48E6-8752-BBB151C3823F}"/>
+              </a:ext>
+            </a:extLst>
+          </p:cNvPr>
+          <p:cNvPicPr>
+            <a:picLocks noChangeAspect="1"/>
+          </p:cNvPicPr>
+          <p:nvPr/>
+        </p:nvPicPr>
+        <p:blipFill>
+          <a:blip r:embed="rId2"/>
+          <a:stretch>
+            <a:fillRect/>
+          </a:stretch>
+        </p:blipFill>
+        <p:spPr>
+          <a:xfrm>
+            <a:off x="0" y="691928"/>
+            <a:ext cx="12192000" cy="5474144"/>
+          </a:xfrm>
+          <a:prstGeom prst="rect">
+            <a:avLst/>
+          </a:prstGeom>
+        </p:spPr>
+      </p:pic>
+      <p:sp>
+        <p:nvSpPr>
+          <p:cNvPr id="3" name="Rectangle 2">
+            <a:extLst>
+              <a:ext uri="{FF2B5EF4-FFF2-40B4-BE49-F238E27FC236}">
+                <a16:creationId xmlns:a16="http://schemas.microsoft.com/office/drawing/2014/main" id="{09ACBEAB-4418-4DCB-A88E-A757868C264A}"/>
+              </a:ext>
+            </a:extLst>
+          </p:cNvPr>
+          <p:cNvSpPr/>
+          <p:nvPr/>
+        </p:nvSpPr>
+        <p:spPr>
+          <a:xfrm>
+            <a:off x="3790464" y="1960659"/>
+            <a:ext cx="1063434" cy="663788"/>
+          </a:xfrm>
+          <a:prstGeom prst="rect">
+            <a:avLst/>
+          </a:prstGeom>
+          <a:noFill/>
+          <a:ln w="57150">
+            <a:solidFill>
+              <a:srgbClr val="FF0000"/>
+            </a:solidFill>
+          </a:ln>
+        </p:spPr>
+        <p:style>
+          <a:lnRef idx="2">
+            <a:schemeClr val="accent1">
+              <a:shade val="50000"/>
+            </a:schemeClr>
+          </a:lnRef>
+          <a:fillRef idx="1">
+            <a:schemeClr val="accent1"/>
+          </a:fillRef>
+          <a:effectRef idx="0">
+            <a:schemeClr val="accent1"/>
+          </a:effectRef>
+          <a:fontRef idx="minor">
+            <a:schemeClr val="lt1"/>
+          </a:fontRef>
+        </p:style>
+        <p:txBody>
+          <a:bodyPr rtlCol="0" anchor="ctr"/>
+          <a:lstStyle/>
+          <a:p>
+            <a:pPr algn="ctr"/>
+            <a:endParaRPr lang="en-SG"/>
+          </a:p>
+        </p:txBody>
+      </p:sp>
+      <p:sp>
+        <p:nvSpPr>
+          <p:cNvPr id="4" name="TextBox 3">
+            <a:extLst>
+              <a:ext uri="{FF2B5EF4-FFF2-40B4-BE49-F238E27FC236}">
+                <a16:creationId xmlns:a16="http://schemas.microsoft.com/office/drawing/2014/main" id="{66468130-B9AB-4631-9660-B6E5CD09528D}"/>
+              </a:ext>
+            </a:extLst>
+          </p:cNvPr>
+          <p:cNvSpPr txBox="1"/>
+          <p:nvPr/>
+        </p:nvSpPr>
+        <p:spPr>
+          <a:xfrm>
+            <a:off x="4989771" y="1652882"/>
+            <a:ext cx="1979068" cy="307777"/>
+          </a:xfrm>
+          <a:prstGeom prst="rect">
+            <a:avLst/>
+          </a:prstGeom>
+          <a:noFill/>
+        </p:spPr>
+        <p:txBody>
+          <a:bodyPr wrap="none" rtlCol="0">
+            <a:spAutoFit/>
+          </a:bodyPr>
+          <a:lstStyle/>
+          <a:p>
+            <a:r>
+              <a:rPr lang="en-SG" sz="1400" dirty="0"/>
+              <a:t>Primary Key in database</a:t>
+            </a:r>
+          </a:p>
+        </p:txBody>
+      </p:sp>
+      <p:cxnSp>
+        <p:nvCxnSpPr>
+          <p:cNvPr id="5" name="Connector: Elbow 4">
+            <a:extLst>
+              <a:ext uri="{FF2B5EF4-FFF2-40B4-BE49-F238E27FC236}">
+                <a16:creationId xmlns:a16="http://schemas.microsoft.com/office/drawing/2014/main" id="{ED8D9BFB-CBE4-43E2-8C90-C757F295C841}"/>
+              </a:ext>
+            </a:extLst>
+          </p:cNvPr>
+          <p:cNvCxnSpPr>
+            <a:cxnSpLocks/>
+            <a:stCxn id="3" idx="3"/>
+            <a:endCxn id="4" idx="2"/>
+          </p:cNvCxnSpPr>
+          <p:nvPr/>
+        </p:nvCxnSpPr>
+        <p:spPr>
+          <a:xfrm flipV="1">
+            <a:off x="4853898" y="1960659"/>
+            <a:ext cx="1125407" cy="331894"/>
+          </a:xfrm>
+          <a:prstGeom prst="bentConnector2">
+            <a:avLst/>
+          </a:prstGeom>
+          <a:ln>
+            <a:tailEnd type="triangle"/>
+          </a:ln>
+        </p:spPr>
+        <p:style>
+          <a:lnRef idx="1">
+            <a:schemeClr val="dk1"/>
+          </a:lnRef>
+          <a:fillRef idx="0">
+            <a:schemeClr val="dk1"/>
+          </a:fillRef>
+          <a:effectRef idx="0">
+            <a:schemeClr val="dk1"/>
+          </a:effectRef>
+          <a:fontRef idx="minor">
+            <a:schemeClr val="tx1"/>
+          </a:fontRef>
+        </p:style>
+      </p:cxnSp>
+    </p:spTree>
+    <p:extLst>
+      <p:ext uri="{BB962C8B-B14F-4D97-AF65-F5344CB8AC3E}">
+        <p14:creationId xmlns:p14="http://schemas.microsoft.com/office/powerpoint/2010/main" val="3612760710"/>
+      </p:ext>
+    </p:extLst>
+  </p:cSld>
+  <p:clrMapOvr>
+    <a:masterClrMapping/>
+  </p:clrMapOvr>
+</p:sld>
+</file>
+
+<file path=ppt/slides/slide5.xml><?xml version="1.0" encoding="utf-8"?>
+<p:sld xmlns:a="http://schemas.openxmlformats.org/drawingml/2006/main" xmlns:r="http://schemas.openxmlformats.org/officeDocument/2006/relationships" xmlns:p="http://schemas.openxmlformats.org/presentationml/2006/main">
+  <p:cSld>
+    <p:spTree>
+      <p:nvGrpSpPr>
+        <p:cNvPr id="1" name=""/>
+        <p:cNvGrpSpPr/>
+        <p:nvPr/>
+      </p:nvGrpSpPr>
+      <p:grpSpPr>
+        <a:xfrm>
+          <a:off x="0" y="0"/>
+          <a:ext cx="0" cy="0"/>
+          <a:chOff x="0" y="0"/>
+          <a:chExt cx="0" cy="0"/>
+        </a:xfrm>
+      </p:grpSpPr>
+      <p:pic>
+        <p:nvPicPr>
+          <p:cNvPr id="2" name="Picture 1">
+            <a:extLst>
+              <a:ext uri="{FF2B5EF4-FFF2-40B4-BE49-F238E27FC236}">
+                <a16:creationId xmlns:a16="http://schemas.microsoft.com/office/drawing/2014/main" id="{FCE93BAB-D0D0-459F-A1E2-F21A3F1329C5}"/>
+              </a:ext>
+            </a:extLst>
+          </p:cNvPr>
+          <p:cNvPicPr>
+            <a:picLocks noChangeAspect="1"/>
+          </p:cNvPicPr>
+          <p:nvPr/>
+        </p:nvPicPr>
+        <p:blipFill>
+          <a:blip r:embed="rId2"/>
+          <a:stretch>
+            <a:fillRect/>
+          </a:stretch>
+        </p:blipFill>
+        <p:spPr>
+          <a:xfrm>
+            <a:off x="0" y="1099489"/>
+            <a:ext cx="12192000" cy="4659022"/>
+          </a:xfrm>
+          <a:prstGeom prst="rect">
+            <a:avLst/>
+          </a:prstGeom>
+        </p:spPr>
+      </p:pic>
+      <p:sp>
+        <p:nvSpPr>
+          <p:cNvPr id="3" name="Rectangle 2">
+            <a:extLst>
+              <a:ext uri="{FF2B5EF4-FFF2-40B4-BE49-F238E27FC236}">
+                <a16:creationId xmlns:a16="http://schemas.microsoft.com/office/drawing/2014/main" id="{68CAB843-B13B-4C8A-B49E-98265C85FDB0}"/>
+              </a:ext>
+            </a:extLst>
+          </p:cNvPr>
+          <p:cNvSpPr/>
+          <p:nvPr/>
+        </p:nvSpPr>
+        <p:spPr>
+          <a:xfrm>
+            <a:off x="-1" y="2150664"/>
+            <a:ext cx="2090057" cy="485658"/>
+          </a:xfrm>
+          <a:prstGeom prst="rect">
+            <a:avLst/>
+          </a:prstGeom>
+          <a:noFill/>
+          <a:ln w="57150">
+            <a:solidFill>
+              <a:srgbClr val="FF0000"/>
+            </a:solidFill>
+          </a:ln>
+        </p:spPr>
+        <p:style>
+          <a:lnRef idx="2">
+            <a:schemeClr val="accent1">
+              <a:shade val="50000"/>
+            </a:schemeClr>
+          </a:lnRef>
+          <a:fillRef idx="1">
+            <a:schemeClr val="accent1"/>
+          </a:fillRef>
+          <a:effectRef idx="0">
+            <a:schemeClr val="accent1"/>
+          </a:effectRef>
+          <a:fontRef idx="minor">
+            <a:schemeClr val="lt1"/>
+          </a:fontRef>
+        </p:style>
+        <p:txBody>
+          <a:bodyPr rtlCol="0" anchor="ctr"/>
+          <a:lstStyle/>
+          <a:p>
+            <a:pPr algn="ctr"/>
+            <a:endParaRPr lang="en-SG"/>
+          </a:p>
+        </p:txBody>
+      </p:sp>
+      <p:sp>
+        <p:nvSpPr>
+          <p:cNvPr id="4" name="TextBox 3">
+            <a:extLst>
+              <a:ext uri="{FF2B5EF4-FFF2-40B4-BE49-F238E27FC236}">
+                <a16:creationId xmlns:a16="http://schemas.microsoft.com/office/drawing/2014/main" id="{3ADA7769-48D2-4E40-BBB7-D3F13CBB289B}"/>
+              </a:ext>
+            </a:extLst>
+          </p:cNvPr>
+          <p:cNvSpPr txBox="1"/>
+          <p:nvPr/>
+        </p:nvSpPr>
+        <p:spPr>
+          <a:xfrm>
+            <a:off x="2090056" y="1842887"/>
+            <a:ext cx="4298870" cy="307777"/>
+          </a:xfrm>
+          <a:prstGeom prst="rect">
+            <a:avLst/>
+          </a:prstGeom>
+          <a:noFill/>
+        </p:spPr>
+        <p:txBody>
+          <a:bodyPr wrap="square" rtlCol="0">
+            <a:spAutoFit/>
+          </a:bodyPr>
+          <a:lstStyle/>
+          <a:p>
+            <a:r>
+              <a:rPr lang="en-SG" sz="1400" dirty="0"/>
+              <a:t>Can only choose from existing users in the database</a:t>
+            </a:r>
+          </a:p>
+        </p:txBody>
+      </p:sp>
+      <p:cxnSp>
+        <p:nvCxnSpPr>
+          <p:cNvPr id="5" name="Connector: Elbow 4">
+            <a:extLst>
+              <a:ext uri="{FF2B5EF4-FFF2-40B4-BE49-F238E27FC236}">
+                <a16:creationId xmlns:a16="http://schemas.microsoft.com/office/drawing/2014/main" id="{E65ABB9A-5CFC-456C-A0D3-7A83E96690D2}"/>
+              </a:ext>
+            </a:extLst>
+          </p:cNvPr>
+          <p:cNvCxnSpPr>
+            <a:cxnSpLocks/>
+            <a:stCxn id="3" idx="3"/>
+            <a:endCxn id="4" idx="2"/>
+          </p:cNvCxnSpPr>
+          <p:nvPr/>
+        </p:nvCxnSpPr>
+        <p:spPr>
+          <a:xfrm flipV="1">
+            <a:off x="2090056" y="2150664"/>
+            <a:ext cx="2149435" cy="242829"/>
+          </a:xfrm>
+          <a:prstGeom prst="bentConnector2">
+            <a:avLst/>
+          </a:prstGeom>
+          <a:ln>
+            <a:tailEnd type="triangle"/>
+          </a:ln>
+        </p:spPr>
+        <p:style>
+          <a:lnRef idx="1">
+            <a:schemeClr val="dk1"/>
+          </a:lnRef>
+          <a:fillRef idx="0">
+            <a:schemeClr val="dk1"/>
+          </a:fillRef>
+          <a:effectRef idx="0">
+            <a:schemeClr val="dk1"/>
+          </a:effectRef>
+          <a:fontRef idx="minor">
+            <a:schemeClr val="tx1"/>
+          </a:fontRef>
+        </p:style>
+      </p:cxnSp>
+      <p:sp>
+        <p:nvSpPr>
+          <p:cNvPr id="14" name="Rectangle 13">
+            <a:extLst>
+              <a:ext uri="{FF2B5EF4-FFF2-40B4-BE49-F238E27FC236}">
+                <a16:creationId xmlns:a16="http://schemas.microsoft.com/office/drawing/2014/main" id="{5758752C-AAD6-41AA-A398-4DB6A03EB335}"/>
+              </a:ext>
+            </a:extLst>
+          </p:cNvPr>
+          <p:cNvSpPr/>
+          <p:nvPr/>
+        </p:nvSpPr>
+        <p:spPr>
+          <a:xfrm>
+            <a:off x="0" y="3942608"/>
+            <a:ext cx="2090057" cy="380009"/>
+          </a:xfrm>
+          <a:prstGeom prst="rect">
+            <a:avLst/>
+          </a:prstGeom>
+          <a:noFill/>
+          <a:ln w="57150">
+            <a:solidFill>
+              <a:srgbClr val="FF0000"/>
+            </a:solidFill>
+          </a:ln>
+        </p:spPr>
+        <p:style>
+          <a:lnRef idx="2">
+            <a:schemeClr val="accent1">
+              <a:shade val="50000"/>
+            </a:schemeClr>
+          </a:lnRef>
+          <a:fillRef idx="1">
+            <a:schemeClr val="accent1"/>
+          </a:fillRef>
+          <a:effectRef idx="0">
+            <a:schemeClr val="accent1"/>
+          </a:effectRef>
+          <a:fontRef idx="minor">
+            <a:schemeClr val="lt1"/>
+          </a:fontRef>
+        </p:style>
+        <p:txBody>
+          <a:bodyPr rtlCol="0" anchor="ctr"/>
+          <a:lstStyle/>
+          <a:p>
+            <a:pPr algn="ctr"/>
+            <a:endParaRPr lang="en-SG"/>
+          </a:p>
+        </p:txBody>
+      </p:sp>
+      <p:sp>
+        <p:nvSpPr>
+          <p:cNvPr id="15" name="TextBox 14">
+            <a:extLst>
+              <a:ext uri="{FF2B5EF4-FFF2-40B4-BE49-F238E27FC236}">
+                <a16:creationId xmlns:a16="http://schemas.microsoft.com/office/drawing/2014/main" id="{CA8048E2-567E-4176-91B4-487CBE699541}"/>
+              </a:ext>
+            </a:extLst>
+          </p:cNvPr>
+          <p:cNvSpPr txBox="1"/>
+          <p:nvPr/>
+        </p:nvSpPr>
+        <p:spPr>
+          <a:xfrm>
+            <a:off x="2090056" y="3588927"/>
+            <a:ext cx="4298870" cy="307777"/>
+          </a:xfrm>
+          <a:prstGeom prst="rect">
+            <a:avLst/>
+          </a:prstGeom>
+          <a:noFill/>
+        </p:spPr>
+        <p:txBody>
+          <a:bodyPr wrap="square" rtlCol="0">
+            <a:spAutoFit/>
+          </a:bodyPr>
+          <a:lstStyle/>
+          <a:p>
+            <a:r>
+              <a:rPr lang="en-SG" sz="1400" dirty="0"/>
+              <a:t>Can only choose from existing categories in the database</a:t>
+            </a:r>
+          </a:p>
+        </p:txBody>
+      </p:sp>
+      <p:cxnSp>
+        <p:nvCxnSpPr>
+          <p:cNvPr id="16" name="Connector: Elbow 15">
+            <a:extLst>
+              <a:ext uri="{FF2B5EF4-FFF2-40B4-BE49-F238E27FC236}">
+                <a16:creationId xmlns:a16="http://schemas.microsoft.com/office/drawing/2014/main" id="{CB1EF8F5-A7F4-47E8-95E7-D5743939B7AB}"/>
+              </a:ext>
+            </a:extLst>
+          </p:cNvPr>
+          <p:cNvCxnSpPr>
+            <a:cxnSpLocks/>
+            <a:endCxn id="15" idx="2"/>
+          </p:cNvCxnSpPr>
+          <p:nvPr/>
+        </p:nvCxnSpPr>
+        <p:spPr>
+          <a:xfrm flipV="1">
+            <a:off x="2090056" y="3896704"/>
+            <a:ext cx="2149435" cy="242829"/>
+          </a:xfrm>
+          <a:prstGeom prst="bentConnector2">
+            <a:avLst/>
+          </a:prstGeom>
+          <a:ln>
+            <a:tailEnd type="triangle"/>
+          </a:ln>
+        </p:spPr>
+        <p:style>
+          <a:lnRef idx="1">
+            <a:schemeClr val="dk1"/>
+          </a:lnRef>
+          <a:fillRef idx="0">
+            <a:schemeClr val="dk1"/>
+          </a:fillRef>
+          <a:effectRef idx="0">
+            <a:schemeClr val="dk1"/>
+          </a:effectRef>
+          <a:fontRef idx="minor">
+            <a:schemeClr val="tx1"/>
+          </a:fontRef>
+        </p:style>
+      </p:cxnSp>
+    </p:spTree>
+    <p:extLst>
+      <p:ext uri="{BB962C8B-B14F-4D97-AF65-F5344CB8AC3E}">
+        <p14:creationId xmlns:p14="http://schemas.microsoft.com/office/powerpoint/2010/main" val="1670511536"/>
+      </p:ext>
+    </p:extLst>
+  </p:cSld>
+  <p:clrMapOvr>
+    <a:masterClrMapping/>
+  </p:clrMapOvr>
+</p:sld>
+</file>
+
+<file path=ppt/slides/slide6.xml><?xml version="1.0" encoding="utf-8"?>
+<p:sld xmlns:a="http://schemas.openxmlformats.org/drawingml/2006/main" xmlns:r="http://schemas.openxmlformats.org/officeDocument/2006/relationships" xmlns:p="http://schemas.openxmlformats.org/presentationml/2006/main">
+  <p:cSld>
+    <p:spTree>
+      <p:nvGrpSpPr>
+        <p:cNvPr id="1" name=""/>
+        <p:cNvGrpSpPr/>
+        <p:nvPr/>
+      </p:nvGrpSpPr>
+      <p:grpSpPr>
+        <a:xfrm>
+          <a:off x="0" y="0"/>
+          <a:ext cx="0" cy="0"/>
+          <a:chOff x="0" y="0"/>
+          <a:chExt cx="0" cy="0"/>
+        </a:xfrm>
+      </p:grpSpPr>
+      <p:pic>
+        <p:nvPicPr>
+          <p:cNvPr id="4" name="Picture 3">
+            <a:extLst>
+              <a:ext uri="{FF2B5EF4-FFF2-40B4-BE49-F238E27FC236}">
+                <a16:creationId xmlns:a16="http://schemas.microsoft.com/office/drawing/2014/main" id="{F55DB467-B71E-457F-AF11-8D17D804452C}"/>
+              </a:ext>
+            </a:extLst>
+          </p:cNvPr>
+          <p:cNvPicPr>
+            <a:picLocks noChangeAspect="1"/>
+          </p:cNvPicPr>
+          <p:nvPr/>
+        </p:nvPicPr>
+        <p:blipFill>
+          <a:blip r:embed="rId2"/>
+          <a:stretch>
+            <a:fillRect/>
+          </a:stretch>
+        </p:blipFill>
+        <p:spPr>
+          <a:xfrm>
+            <a:off x="176212" y="438150"/>
+            <a:ext cx="11839575" cy="5981700"/>
+          </a:xfrm>
+          <a:prstGeom prst="rect">
+            <a:avLst/>
+          </a:prstGeom>
+        </p:spPr>
+      </p:pic>
+      <p:sp>
+        <p:nvSpPr>
+          <p:cNvPr id="5" name="Rectangle 4">
+            <a:extLst>
+              <a:ext uri="{FF2B5EF4-FFF2-40B4-BE49-F238E27FC236}">
+                <a16:creationId xmlns:a16="http://schemas.microsoft.com/office/drawing/2014/main" id="{55DD86B3-FB25-4EDC-AB81-C9A7AE5F038A}"/>
+              </a:ext>
+            </a:extLst>
+          </p:cNvPr>
+          <p:cNvSpPr/>
+          <p:nvPr/>
+        </p:nvSpPr>
+        <p:spPr>
+          <a:xfrm>
+            <a:off x="85361" y="1188047"/>
+            <a:ext cx="1553433" cy="652628"/>
+          </a:xfrm>
+          <a:prstGeom prst="rect">
+            <a:avLst/>
+          </a:prstGeom>
+          <a:noFill/>
+          <a:ln w="57150">
+            <a:solidFill>
+              <a:srgbClr val="FF0000"/>
+            </a:solidFill>
+          </a:ln>
+        </p:spPr>
+        <p:style>
+          <a:lnRef idx="2">
+            <a:schemeClr val="accent1">
+              <a:shade val="50000"/>
+            </a:schemeClr>
+          </a:lnRef>
+          <a:fillRef idx="1">
+            <a:schemeClr val="accent1"/>
+          </a:fillRef>
+          <a:effectRef idx="0">
+            <a:schemeClr val="accent1"/>
+          </a:effectRef>
+          <a:fontRef idx="minor">
+            <a:schemeClr val="lt1"/>
+          </a:fontRef>
+        </p:style>
+        <p:txBody>
+          <a:bodyPr rtlCol="0" anchor="ctr"/>
+          <a:lstStyle/>
+          <a:p>
+            <a:pPr algn="ctr"/>
+            <a:endParaRPr lang="en-SG"/>
+          </a:p>
+        </p:txBody>
+      </p:sp>
+      <p:sp>
+        <p:nvSpPr>
+          <p:cNvPr id="8" name="Rectangle 7">
+            <a:extLst>
+              <a:ext uri="{FF2B5EF4-FFF2-40B4-BE49-F238E27FC236}">
+                <a16:creationId xmlns:a16="http://schemas.microsoft.com/office/drawing/2014/main" id="{21F4070F-B47D-426D-90B2-CC973DCC268C}"/>
+              </a:ext>
+            </a:extLst>
+          </p:cNvPr>
+          <p:cNvSpPr/>
+          <p:nvPr/>
+        </p:nvSpPr>
+        <p:spPr>
+          <a:xfrm>
+            <a:off x="85361" y="5902551"/>
+            <a:ext cx="2455958" cy="652628"/>
+          </a:xfrm>
+          <a:prstGeom prst="rect">
+            <a:avLst/>
+          </a:prstGeom>
+          <a:noFill/>
+          <a:ln w="57150">
+            <a:solidFill>
+              <a:srgbClr val="FF0000"/>
+            </a:solidFill>
+          </a:ln>
+        </p:spPr>
+        <p:style>
+          <a:lnRef idx="2">
+            <a:schemeClr val="accent1">
+              <a:shade val="50000"/>
+            </a:schemeClr>
+          </a:lnRef>
+          <a:fillRef idx="1">
+            <a:schemeClr val="accent1"/>
+          </a:fillRef>
+          <a:effectRef idx="0">
+            <a:schemeClr val="accent1"/>
+          </a:effectRef>
+          <a:fontRef idx="minor">
+            <a:schemeClr val="lt1"/>
+          </a:fontRef>
+        </p:style>
+        <p:txBody>
+          <a:bodyPr rtlCol="0" anchor="ctr"/>
+          <a:lstStyle/>
+          <a:p>
+            <a:pPr algn="ctr"/>
+            <a:endParaRPr lang="en-SG"/>
+          </a:p>
+        </p:txBody>
+      </p:sp>
+      <p:cxnSp>
+        <p:nvCxnSpPr>
+          <p:cNvPr id="10" name="Straight Arrow Connector 9">
+            <a:extLst>
+              <a:ext uri="{FF2B5EF4-FFF2-40B4-BE49-F238E27FC236}">
+                <a16:creationId xmlns:a16="http://schemas.microsoft.com/office/drawing/2014/main" id="{6D83CB46-4188-42B1-B455-4FB68A830B41}"/>
+              </a:ext>
+            </a:extLst>
+          </p:cNvPr>
+          <p:cNvCxnSpPr>
+            <a:stCxn id="5" idx="2"/>
+          </p:cNvCxnSpPr>
+          <p:nvPr/>
+        </p:nvCxnSpPr>
+        <p:spPr>
+          <a:xfrm flipH="1">
+            <a:off x="843148" y="1840675"/>
+            <a:ext cx="18930" cy="4061876"/>
+          </a:xfrm>
+          <a:prstGeom prst="straightConnector1">
+            <a:avLst/>
+          </a:prstGeom>
+          <a:ln>
+            <a:tailEnd type="triangle"/>
+          </a:ln>
+        </p:spPr>
+        <p:style>
+          <a:lnRef idx="1">
+            <a:schemeClr val="dk1"/>
+          </a:lnRef>
+          <a:fillRef idx="0">
+            <a:schemeClr val="dk1"/>
+          </a:fillRef>
+          <a:effectRef idx="0">
+            <a:schemeClr val="dk1"/>
+          </a:effectRef>
+          <a:fontRef idx="minor">
+            <a:schemeClr val="tx1"/>
+          </a:fontRef>
+        </p:style>
+      </p:cxnSp>
+      <p:sp>
+        <p:nvSpPr>
+          <p:cNvPr id="12" name="TextBox 11">
+            <a:extLst>
+              <a:ext uri="{FF2B5EF4-FFF2-40B4-BE49-F238E27FC236}">
+                <a16:creationId xmlns:a16="http://schemas.microsoft.com/office/drawing/2014/main" id="{2FE8793B-E695-482E-A6BB-6F447A2FBFF9}"/>
+              </a:ext>
+            </a:extLst>
+          </p:cNvPr>
+          <p:cNvSpPr txBox="1"/>
+          <p:nvPr/>
+        </p:nvSpPr>
+        <p:spPr>
+          <a:xfrm>
+            <a:off x="952928" y="2265505"/>
+            <a:ext cx="3478055" cy="523220"/>
+          </a:xfrm>
+          <a:prstGeom prst="rect">
+            <a:avLst/>
+          </a:prstGeom>
+          <a:noFill/>
+        </p:spPr>
+        <p:txBody>
+          <a:bodyPr wrap="square" rtlCol="0">
+            <a:spAutoFit/>
+          </a:bodyPr>
+          <a:lstStyle/>
+          <a:p>
+            <a:r>
+              <a:rPr lang="en-SG" sz="1400" dirty="0"/>
+              <a:t>Click to generate a downloadable report</a:t>
+            </a:r>
+          </a:p>
+          <a:p>
+            <a:r>
+              <a:rPr lang="en-SG" sz="1400" dirty="0"/>
+              <a:t>(Excel spreadsheet)</a:t>
+            </a:r>
+          </a:p>
+        </p:txBody>
+      </p:sp>
+      <p:grpSp>
+        <p:nvGrpSpPr>
+          <p:cNvPr id="16" name="Group 15">
+            <a:extLst>
+              <a:ext uri="{FF2B5EF4-FFF2-40B4-BE49-F238E27FC236}">
+                <a16:creationId xmlns:a16="http://schemas.microsoft.com/office/drawing/2014/main" id="{F9E57A8E-765F-43D1-AF3F-001017FC0115}"/>
+              </a:ext>
+            </a:extLst>
+          </p:cNvPr>
+          <p:cNvGrpSpPr/>
+          <p:nvPr/>
+        </p:nvGrpSpPr>
+        <p:grpSpPr>
+          <a:xfrm>
+            <a:off x="6359606" y="1610721"/>
+            <a:ext cx="5505451" cy="4291830"/>
+            <a:chOff x="4697061" y="1514361"/>
+            <a:chExt cx="5505451" cy="4291830"/>
+          </a:xfrm>
+        </p:grpSpPr>
+        <p:pic>
+          <p:nvPicPr>
+            <p:cNvPr id="3" name="Picture 2">
+              <a:extLst>
+                <a:ext uri="{FF2B5EF4-FFF2-40B4-BE49-F238E27FC236}">
+                  <a16:creationId xmlns:a16="http://schemas.microsoft.com/office/drawing/2014/main" id="{8DBCC866-E5DC-48F0-B33C-701BB91A96B3}"/>
+                </a:ext>
+              </a:extLst>
+            </p:cNvPr>
+            <p:cNvPicPr>
+              <a:picLocks noChangeAspect="1"/>
+            </p:cNvPicPr>
+            <p:nvPr/>
+          </p:nvPicPr>
+          <p:blipFill>
+            <a:blip r:embed="rId3"/>
+            <a:stretch>
+              <a:fillRect/>
+            </a:stretch>
+          </p:blipFill>
+          <p:spPr>
+            <a:xfrm>
+              <a:off x="4697062" y="1519941"/>
+              <a:ext cx="5505450" cy="4286250"/>
+            </a:xfrm>
+            <a:prstGeom prst="rect">
+              <a:avLst/>
+            </a:prstGeom>
+          </p:spPr>
+        </p:pic>
+        <p:sp>
+          <p:nvSpPr>
+            <p:cNvPr id="15" name="Rectangle 14">
+              <a:extLst>
+                <a:ext uri="{FF2B5EF4-FFF2-40B4-BE49-F238E27FC236}">
+                  <a16:creationId xmlns:a16="http://schemas.microsoft.com/office/drawing/2014/main" id="{81D96308-90A9-4078-A16A-2F7709F5B38A}"/>
+                </a:ext>
+              </a:extLst>
+            </p:cNvPr>
+            <p:cNvSpPr/>
+            <p:nvPr/>
+          </p:nvSpPr>
+          <p:spPr>
+            <a:xfrm>
+              <a:off x="4697061" y="1514361"/>
+              <a:ext cx="5505450" cy="4286250"/>
+            </a:xfrm>
+            <a:prstGeom prst="rect">
+              <a:avLst/>
+            </a:prstGeom>
+            <a:noFill/>
+            <a:ln w="57150">
+              <a:solidFill>
+                <a:srgbClr val="FF0000"/>
+              </a:solidFill>
+            </a:ln>
+          </p:spPr>
+          <p:style>
+            <a:lnRef idx="2">
+              <a:schemeClr val="accent1">
+                <a:shade val="50000"/>
+              </a:schemeClr>
+            </a:lnRef>
+            <a:fillRef idx="1">
+              <a:schemeClr val="accent1"/>
+            </a:fillRef>
+            <a:effectRef idx="0">
+              <a:schemeClr val="accent1"/>
+            </a:effectRef>
+            <a:fontRef idx="minor">
+              <a:schemeClr val="lt1"/>
+            </a:fontRef>
+          </p:style>
+          <p:txBody>
+            <a:bodyPr rtlCol="0" anchor="ctr"/>
+            <a:lstStyle/>
+            <a:p>
+              <a:pPr algn="ctr"/>
+              <a:endParaRPr lang="en-SG"/>
+            </a:p>
+          </p:txBody>
+        </p:sp>
+      </p:grpSp>
+      <p:cxnSp>
+        <p:nvCxnSpPr>
+          <p:cNvPr id="14" name="Straight Arrow Connector 13">
+            <a:extLst>
+              <a:ext uri="{FF2B5EF4-FFF2-40B4-BE49-F238E27FC236}">
+                <a16:creationId xmlns:a16="http://schemas.microsoft.com/office/drawing/2014/main" id="{BDCABC29-6EEF-4968-ADD1-99F63F1435E8}"/>
+              </a:ext>
+            </a:extLst>
+          </p:cNvPr>
+          <p:cNvCxnSpPr>
+            <a:stCxn id="8" idx="0"/>
+            <a:endCxn id="3" idx="1"/>
+          </p:cNvCxnSpPr>
+          <p:nvPr/>
+        </p:nvCxnSpPr>
+        <p:spPr>
+          <a:xfrm flipV="1">
+            <a:off x="1313340" y="3759426"/>
+            <a:ext cx="5046267" cy="2143125"/>
+          </a:xfrm>
+          <a:prstGeom prst="straightConnector1">
+            <a:avLst/>
+          </a:prstGeom>
+          <a:ln>
+            <a:tailEnd type="triangle"/>
+          </a:ln>
+        </p:spPr>
+        <p:style>
+          <a:lnRef idx="1">
+            <a:schemeClr val="dk1"/>
+          </a:lnRef>
+          <a:fillRef idx="0">
+            <a:schemeClr val="dk1"/>
+          </a:fillRef>
+          <a:effectRef idx="0">
+            <a:schemeClr val="dk1"/>
+          </a:effectRef>
+          <a:fontRef idx="minor">
+            <a:schemeClr val="tx1"/>
+          </a:fontRef>
+        </p:style>
+      </p:cxnSp>
+    </p:spTree>
+    <p:extLst>
+      <p:ext uri="{BB962C8B-B14F-4D97-AF65-F5344CB8AC3E}">
+        <p14:creationId xmlns:p14="http://schemas.microsoft.com/office/powerpoint/2010/main" val="627251830"/>
+      </p:ext>
+    </p:extLst>
+  </p:cSld>
+  <p:clrMapOvr>
+    <a:masterClrMapping/>
+  </p:clrMapOvr>
+</p:sld>
+</file>
+
+<file path=ppt/slides/slide7.xml><?xml version="1.0" encoding="utf-8"?>
+<p:sld xmlns:a="http://schemas.openxmlformats.org/drawingml/2006/main" xmlns:r="http://schemas.openxmlformats.org/officeDocument/2006/relationships" xmlns:p="http://schemas.openxmlformats.org/presentationml/2006/main">
+  <p:cSld>
+    <p:spTree>
+      <p:nvGrpSpPr>
+        <p:cNvPr id="1" name=""/>
+        <p:cNvGrpSpPr/>
+        <p:nvPr/>
+      </p:nvGrpSpPr>
+      <p:grpSpPr>
+        <a:xfrm>
+          <a:off x="0" y="0"/>
+          <a:ext cx="0" cy="0"/>
+          <a:chOff x="0" y="0"/>
+          <a:chExt cx="0" cy="0"/>
+        </a:xfrm>
+      </p:grpSpPr>
+      <p:pic>
+        <p:nvPicPr>
+          <p:cNvPr id="2" name="Picture 1">
+            <a:extLst>
+              <a:ext uri="{FF2B5EF4-FFF2-40B4-BE49-F238E27FC236}">
+                <a16:creationId xmlns:a16="http://schemas.microsoft.com/office/drawing/2014/main" id="{D7E53919-8B9C-4EE0-B6AA-AC96CBF93FAA}"/>
+              </a:ext>
+            </a:extLst>
+          </p:cNvPr>
+          <p:cNvPicPr>
+            <a:picLocks noChangeAspect="1"/>
+          </p:cNvPicPr>
+          <p:nvPr/>
+        </p:nvPicPr>
+        <p:blipFill>
+          <a:blip r:embed="rId2"/>
+          <a:stretch>
+            <a:fillRect/>
+          </a:stretch>
+        </p:blipFill>
+        <p:spPr>
+          <a:xfrm>
+            <a:off x="0" y="0"/>
+            <a:ext cx="12192000" cy="5458835"/>
+          </a:xfrm>
+          <a:prstGeom prst="rect">
+            <a:avLst/>
+          </a:prstGeom>
+        </p:spPr>
+      </p:pic>
+      <p:pic>
+        <p:nvPicPr>
+          <p:cNvPr id="3" name="Picture 2">
+            <a:extLst>
+              <a:ext uri="{FF2B5EF4-FFF2-40B4-BE49-F238E27FC236}">
+                <a16:creationId xmlns:a16="http://schemas.microsoft.com/office/drawing/2014/main" id="{76BEA1B6-C11F-40BE-BA93-EBF163B24EEC}"/>
+              </a:ext>
+            </a:extLst>
+          </p:cNvPr>
+          <p:cNvPicPr>
+            <a:picLocks noChangeAspect="1"/>
+          </p:cNvPicPr>
+          <p:nvPr/>
+        </p:nvPicPr>
+        <p:blipFill>
+          <a:blip r:embed="rId3"/>
+          <a:stretch>
+            <a:fillRect/>
+          </a:stretch>
+        </p:blipFill>
+        <p:spPr>
+          <a:xfrm>
+            <a:off x="0" y="5458835"/>
+            <a:ext cx="12192000" cy="1878471"/>
+          </a:xfrm>
+          <a:prstGeom prst="rect">
+            <a:avLst/>
+          </a:prstGeom>
+        </p:spPr>
+      </p:pic>
+      <p:pic>
+        <p:nvPicPr>
+          <p:cNvPr id="5" name="Picture 4">
+            <a:extLst>
+              <a:ext uri="{FF2B5EF4-FFF2-40B4-BE49-F238E27FC236}">
+                <a16:creationId xmlns:a16="http://schemas.microsoft.com/office/drawing/2014/main" id="{EEC0646E-300D-47EC-B2CB-29FADF901CB9}"/>
+              </a:ext>
+            </a:extLst>
+          </p:cNvPr>
+          <p:cNvPicPr>
+            <a:picLocks noChangeAspect="1"/>
+          </p:cNvPicPr>
+          <p:nvPr/>
+        </p:nvPicPr>
+        <p:blipFill>
+          <a:blip r:embed="rId4"/>
+          <a:stretch>
+            <a:fillRect/>
+          </a:stretch>
+        </p:blipFill>
+        <p:spPr>
+          <a:xfrm>
+            <a:off x="2333625" y="4278312"/>
+            <a:ext cx="2590800" cy="276225"/>
+          </a:xfrm>
+          <a:prstGeom prst="rect">
+            <a:avLst/>
+          </a:prstGeom>
+        </p:spPr>
+      </p:pic>
+      <p:pic>
+        <p:nvPicPr>
+          <p:cNvPr id="6" name="Picture 5">
+            <a:extLst>
+              <a:ext uri="{FF2B5EF4-FFF2-40B4-BE49-F238E27FC236}">
+                <a16:creationId xmlns:a16="http://schemas.microsoft.com/office/drawing/2014/main" id="{C4E62045-2B08-4C05-A9BB-07D886D097E6}"/>
+              </a:ext>
+            </a:extLst>
+          </p:cNvPr>
+          <p:cNvPicPr>
+            <a:picLocks noChangeAspect="1"/>
+          </p:cNvPicPr>
+          <p:nvPr/>
+        </p:nvPicPr>
+        <p:blipFill>
+          <a:blip r:embed="rId5"/>
+          <a:stretch>
+            <a:fillRect/>
+          </a:stretch>
+        </p:blipFill>
+        <p:spPr>
+          <a:xfrm>
+            <a:off x="2333625" y="5073084"/>
+            <a:ext cx="2514600" cy="285750"/>
+          </a:xfrm>
+          <a:prstGeom prst="rect">
+            <a:avLst/>
+          </a:prstGeom>
+        </p:spPr>
+      </p:pic>
+    </p:spTree>
+    <p:extLst>
+      <p:ext uri="{BB962C8B-B14F-4D97-AF65-F5344CB8AC3E}">
+        <p14:creationId xmlns:p14="http://schemas.microsoft.com/office/powerpoint/2010/main" val="1776563889"/>
+      </p:ext>
+    </p:extLst>
+  </p:cSld>
+  <p:clrMapOvr>
+    <a:masterClrMapping/>
+  </p:clrMapOvr>
+</p:sld>
+</file>
+
 <file path=ppt/theme/theme1.xml><?xml version="1.0" encoding="utf-8"?>
 <a:theme xmlns:a="http://schemas.openxmlformats.org/drawingml/2006/main" name="Office Theme">
   <a:themeElements>
